--- a/template/template1.pptx
+++ b/template/template1.pptx
@@ -1531,6 +1531,413 @@
 
 <file path=ppt/slideLayouts/slideLayout3.xml><?xml version="1.0" encoding="utf-8"?>
 <p:sldLayout xmlns:a="http://schemas.openxmlformats.org/drawingml/2006/main" xmlns:r="http://schemas.openxmlformats.org/officeDocument/2006/relationships" xmlns:p="http://schemas.openxmlformats.org/presentationml/2006/main" preserve="1" userDrawn="1">
+  <p:cSld name="4_Long Headline-subtitle and 2 Columns">
+    <p:spTree>
+      <p:nvGrpSpPr>
+        <p:cNvPr id="1" name=""/>
+        <p:cNvGrpSpPr/>
+        <p:nvPr/>
+      </p:nvGrpSpPr>
+      <p:grpSpPr>
+        <a:xfrm>
+          <a:off x="0" y="0"/>
+          <a:ext cx="0" cy="0"/>
+          <a:chOff x="0" y="0"/>
+          <a:chExt cx="0" cy="0"/>
+        </a:xfrm>
+      </p:grpSpPr>
+      <p:sp>
+        <p:nvSpPr>
+          <p:cNvPr id="3" name="Slide Number Placeholder 2">
+            <a:extLst>
+              <a:ext uri="{FF2B5EF4-FFF2-40B4-BE49-F238E27FC236}">
+                <a16:creationId xmlns:a16="http://schemas.microsoft.com/office/drawing/2014/main" id="{1A363034-F9EC-4A95-91E0-2E8019749311}"/>
+              </a:ext>
+            </a:extLst>
+          </p:cNvPr>
+          <p:cNvSpPr>
+            <a:spLocks noGrp="1"/>
+          </p:cNvSpPr>
+          <p:nvPr>
+            <p:ph type="sldNum" sz="quarter" idx="20"/>
+          </p:nvPr>
+        </p:nvSpPr>
+        <p:spPr>
+          <a:xfrm>
+            <a:off x="11554140" y="6490025"/>
+            <a:ext cx="256860" cy="201168"/>
+          </a:xfrm>
+          <a:prstGeom prst="rect">
+            <a:avLst/>
+          </a:prstGeom>
+        </p:spPr>
+        <p:txBody>
+          <a:bodyPr vert="horz" wrap="none" lIns="0" tIns="0" rIns="0" bIns="0" rtlCol="0" anchor="ctr"/>
+          <a:lstStyle>
+            <a:defPPr>
+              <a:defRPr lang="en-US"/>
+            </a:defPPr>
+            <a:lvl1pPr marL="0" algn="r" defTabSz="914400" rtl="0" eaLnBrk="1" latinLnBrk="0" hangingPunct="1">
+              <a:defRPr sz="800" kern="1200">
+                <a:solidFill>
+                  <a:schemeClr val="tx1"/>
+                </a:solidFill>
+                <a:latin typeface="Graphik-Light" panose="020B0403030202060203" pitchFamily="34" charset="0"/>
+                <a:ea typeface="+mn-ea"/>
+                <a:cs typeface="+mn-cs"/>
+              </a:defRPr>
+            </a:lvl1pPr>
+            <a:lvl2pPr marL="457200" algn="l" defTabSz="914400" rtl="0" eaLnBrk="1" latinLnBrk="0" hangingPunct="1">
+              <a:defRPr sz="1800" kern="1200">
+                <a:solidFill>
+                  <a:schemeClr val="tx1"/>
+                </a:solidFill>
+                <a:latin typeface="+mn-lt"/>
+                <a:ea typeface="+mn-ea"/>
+                <a:cs typeface="+mn-cs"/>
+              </a:defRPr>
+            </a:lvl2pPr>
+            <a:lvl3pPr marL="914400" algn="l" defTabSz="914400" rtl="0" eaLnBrk="1" latinLnBrk="0" hangingPunct="1">
+              <a:defRPr sz="1800" kern="1200">
+                <a:solidFill>
+                  <a:schemeClr val="tx1"/>
+                </a:solidFill>
+                <a:latin typeface="+mn-lt"/>
+                <a:ea typeface="+mn-ea"/>
+                <a:cs typeface="+mn-cs"/>
+              </a:defRPr>
+            </a:lvl3pPr>
+            <a:lvl4pPr marL="1371600" algn="l" defTabSz="914400" rtl="0" eaLnBrk="1" latinLnBrk="0" hangingPunct="1">
+              <a:defRPr sz="1800" kern="1200">
+                <a:solidFill>
+                  <a:schemeClr val="tx1"/>
+                </a:solidFill>
+                <a:latin typeface="+mn-lt"/>
+                <a:ea typeface="+mn-ea"/>
+                <a:cs typeface="+mn-cs"/>
+              </a:defRPr>
+            </a:lvl4pPr>
+            <a:lvl5pPr marL="1828800" algn="l" defTabSz="914400" rtl="0" eaLnBrk="1" latinLnBrk="0" hangingPunct="1">
+              <a:defRPr sz="1800" kern="1200">
+                <a:solidFill>
+                  <a:schemeClr val="tx1"/>
+                </a:solidFill>
+                <a:latin typeface="+mn-lt"/>
+                <a:ea typeface="+mn-ea"/>
+                <a:cs typeface="+mn-cs"/>
+              </a:defRPr>
+            </a:lvl5pPr>
+            <a:lvl6pPr marL="2286000" algn="l" defTabSz="914400" rtl="0" eaLnBrk="1" latinLnBrk="0" hangingPunct="1">
+              <a:defRPr sz="1800" kern="1200">
+                <a:solidFill>
+                  <a:schemeClr val="tx1"/>
+                </a:solidFill>
+                <a:latin typeface="+mn-lt"/>
+                <a:ea typeface="+mn-ea"/>
+                <a:cs typeface="+mn-cs"/>
+              </a:defRPr>
+            </a:lvl6pPr>
+            <a:lvl7pPr marL="2743200" algn="l" defTabSz="914400" rtl="0" eaLnBrk="1" latinLnBrk="0" hangingPunct="1">
+              <a:defRPr sz="1800" kern="1200">
+                <a:solidFill>
+                  <a:schemeClr val="tx1"/>
+                </a:solidFill>
+                <a:latin typeface="+mn-lt"/>
+                <a:ea typeface="+mn-ea"/>
+                <a:cs typeface="+mn-cs"/>
+              </a:defRPr>
+            </a:lvl7pPr>
+            <a:lvl8pPr marL="3200400" algn="l" defTabSz="914400" rtl="0" eaLnBrk="1" latinLnBrk="0" hangingPunct="1">
+              <a:defRPr sz="1800" kern="1200">
+                <a:solidFill>
+                  <a:schemeClr val="tx1"/>
+                </a:solidFill>
+                <a:latin typeface="+mn-lt"/>
+                <a:ea typeface="+mn-ea"/>
+                <a:cs typeface="+mn-cs"/>
+              </a:defRPr>
+            </a:lvl8pPr>
+            <a:lvl9pPr marL="3657600" algn="l" defTabSz="914400" rtl="0" eaLnBrk="1" latinLnBrk="0" hangingPunct="1">
+              <a:defRPr sz="1800" kern="1200">
+                <a:solidFill>
+                  <a:schemeClr val="tx1"/>
+                </a:solidFill>
+                <a:latin typeface="+mn-lt"/>
+                <a:ea typeface="+mn-ea"/>
+                <a:cs typeface="+mn-cs"/>
+              </a:defRPr>
+            </a:lvl9pPr>
+          </a:lstStyle>
+          <a:p>
+            <a:fld id="{1F90F471-3972-4120-B8B3-0237DE626C35}" type="slidenum">
+              <a:rPr lang="en-US" smtClean="0"/>
+              <a:pPr/>
+              <a:t>‹#›</a:t>
+            </a:fld>
+            <a:endParaRPr lang="en-US"/>
+          </a:p>
+        </p:txBody>
+      </p:sp>
+      <p:sp>
+        <p:nvSpPr>
+          <p:cNvPr id="11" name="Footer Placeholder 3">
+            <a:extLst>
+              <a:ext uri="{FF2B5EF4-FFF2-40B4-BE49-F238E27FC236}">
+                <a16:creationId xmlns:a16="http://schemas.microsoft.com/office/drawing/2014/main" id="{DF77ADC1-6931-47B6-AF28-D1C74D5BB435}"/>
+              </a:ext>
+              <a:ext uri="{C183D7F6-B498-43B3-948B-1728B52AA6E4}">
+                <adec:decorative xmlns:adec="http://schemas.microsoft.com/office/drawing/2017/decorative" val="1"/>
+              </a:ext>
+            </a:extLst>
+          </p:cNvPr>
+          <p:cNvSpPr>
+            <a:spLocks noGrp="1"/>
+          </p:cNvSpPr>
+          <p:nvPr>
+            <p:ph type="ftr" sz="quarter" idx="3"/>
+          </p:nvPr>
+        </p:nvSpPr>
+        <p:spPr>
+          <a:xfrm>
+            <a:off x="7315200" y="6488234"/>
+            <a:ext cx="4114800" cy="198318"/>
+          </a:xfrm>
+          <a:prstGeom prst="rect">
+            <a:avLst/>
+          </a:prstGeom>
+          <a:noFill/>
+        </p:spPr>
+        <p:txBody>
+          <a:bodyPr wrap="square" lIns="0" tIns="0" rIns="0" bIns="0" rtlCol="0" anchor="ctr">
+            <a:noAutofit/>
+          </a:bodyPr>
+          <a:lstStyle>
+            <a:lvl1pPr algn="r">
+              <a:defRPr lang="en-US" sz="800" kern="1200" dirty="0">
+                <a:solidFill>
+                  <a:schemeClr val="tx1">
+                    <a:alpha val="75000"/>
+                  </a:schemeClr>
+                </a:solidFill>
+                <a:latin typeface="+mn-lt"/>
+                <a:ea typeface="+mn-ea"/>
+                <a:cs typeface="+mn-cs"/>
+              </a:defRPr>
+            </a:lvl1pPr>
+          </a:lstStyle>
+          <a:p>
+            <a:pPr algn="r" defTabSz="228600">
+              <a:spcAft>
+                <a:spcPts val="1200"/>
+              </a:spcAft>
+              <a:defRPr/>
+            </a:pPr>
+            <a:r>
+              <a:rPr lang="en-GB"/>
+              <a:t>Copyright © 2023 Accenture. All rights reserved.</a:t>
+            </a:r>
+          </a:p>
+        </p:txBody>
+      </p:sp>
+      <p:sp>
+        <p:nvSpPr>
+          <p:cNvPr id="6" name="Title 1">
+            <a:extLst>
+              <a:ext uri="{FF2B5EF4-FFF2-40B4-BE49-F238E27FC236}">
+                <a16:creationId xmlns:a16="http://schemas.microsoft.com/office/drawing/2014/main" id="{C7385B6C-9298-6654-E90D-DC596B1269E8}"/>
+              </a:ext>
+            </a:extLst>
+          </p:cNvPr>
+          <p:cNvSpPr>
+            <a:spLocks noGrp="1"/>
+          </p:cNvSpPr>
+          <p:nvPr>
+            <p:ph type="title"/>
+          </p:nvPr>
+        </p:nvSpPr>
+        <p:spPr>
+          <a:xfrm>
+            <a:off x="381000" y="380999"/>
+            <a:ext cx="11430000" cy="990601"/>
+          </a:xfrm>
+          <a:prstGeom prst="rect">
+            <a:avLst/>
+          </a:prstGeom>
+        </p:spPr>
+        <p:txBody>
+          <a:bodyPr vert="horz" lIns="0" tIns="0" rIns="0" bIns="0" rtlCol="0" anchor="t">
+            <a:noAutofit/>
+          </a:bodyPr>
+          <a:lstStyle>
+            <a:lvl1pPr algn="l" defTabSz="914400" rtl="0" eaLnBrk="1" latinLnBrk="0" hangingPunct="1">
+              <a:lnSpc>
+                <a:spcPct val="80000"/>
+              </a:lnSpc>
+              <a:spcBef>
+                <a:spcPct val="0"/>
+              </a:spcBef>
+              <a:buNone/>
+              <a:defRPr sz="3600" b="1" kern="1200">
+                <a:solidFill>
+                  <a:schemeClr val="tx1"/>
+                </a:solidFill>
+                <a:latin typeface="+mj-lt"/>
+                <a:ea typeface="+mj-ea"/>
+                <a:cs typeface="+mj-cs"/>
+              </a:defRPr>
+            </a:lvl1pPr>
+          </a:lstStyle>
+          <a:p>
+            <a:r>
+              <a:rPr lang="en-US"/>
+              <a:t>Place headline here (36pt, min 30pt)</a:t>
+            </a:r>
+            <a:endParaRPr lang="en-US">
+              <a:gradFill>
+                <a:gsLst>
+                  <a:gs pos="0">
+                    <a:srgbClr val="82F5D3"/>
+                  </a:gs>
+                  <a:gs pos="25000">
+                    <a:srgbClr val="87D1DA"/>
+                  </a:gs>
+                  <a:gs pos="75000">
+                    <a:srgbClr val="917CE8"/>
+                  </a:gs>
+                  <a:gs pos="49000">
+                    <a:srgbClr val="8DA5E2"/>
+                  </a:gs>
+                  <a:gs pos="100000">
+                    <a:srgbClr val="9C25F9"/>
+                  </a:gs>
+                </a:gsLst>
+                <a:lin ang="3000000" scaled="0"/>
+              </a:gradFill>
+              <a:latin typeface="Graphik Semibold" panose="020B0503030202060203" pitchFamily="34" charset="77"/>
+            </a:endParaRPr>
+          </a:p>
+        </p:txBody>
+      </p:sp>
+      <p:sp>
+        <p:nvSpPr>
+          <p:cNvPr id="7" name="Rectangle 6">
+            <a:extLst>
+              <a:ext uri="{FF2B5EF4-FFF2-40B4-BE49-F238E27FC236}">
+                <a16:creationId xmlns:a16="http://schemas.microsoft.com/office/drawing/2014/main" id="{5400F004-21B1-0627-39B3-2611E0E1E463}"/>
+              </a:ext>
+            </a:extLst>
+          </p:cNvPr>
+          <p:cNvSpPr/>
+          <p:nvPr userDrawn="1"/>
+        </p:nvSpPr>
+        <p:spPr>
+          <a:xfrm>
+            <a:off x="0" y="0"/>
+            <a:ext cx="12192000" cy="201168"/>
+          </a:xfrm>
+          <a:prstGeom prst="rect">
+            <a:avLst/>
+          </a:prstGeom>
+          <a:gradFill>
+            <a:gsLst>
+              <a:gs pos="0">
+                <a:srgbClr val="82F5D3"/>
+              </a:gs>
+              <a:gs pos="25000">
+                <a:srgbClr val="87D1DA"/>
+              </a:gs>
+              <a:gs pos="75000">
+                <a:srgbClr val="917CE8"/>
+              </a:gs>
+              <a:gs pos="49000">
+                <a:srgbClr val="8DA5E2"/>
+              </a:gs>
+              <a:gs pos="100000">
+                <a:srgbClr val="9C25F9"/>
+              </a:gs>
+            </a:gsLst>
+            <a:lin ang="3000000" scaled="0"/>
+          </a:gradFill>
+        </p:spPr>
+        <p:txBody>
+          <a:bodyPr vert="horz" lIns="0" tIns="0" rIns="0" bIns="0" rtlCol="0" anchor="t">
+            <a:noAutofit/>
+          </a:bodyPr>
+          <a:lstStyle/>
+          <a:p>
+            <a:pPr>
+              <a:lnSpc>
+                <a:spcPct val="80000"/>
+              </a:lnSpc>
+              <a:spcBef>
+                <a:spcPct val="0"/>
+              </a:spcBef>
+            </a:pPr>
+            <a:endParaRPr lang="en-US" sz="3600" b="1" err="1">
+              <a:noFill/>
+              <a:latin typeface="Graphik Semibold" panose="020B0503030202060203" pitchFamily="34" charset="77"/>
+              <a:ea typeface="+mj-ea"/>
+              <a:cs typeface="+mj-cs"/>
+            </a:endParaRPr>
+          </a:p>
+        </p:txBody>
+      </p:sp>
+      <p:sp>
+        <p:nvSpPr>
+          <p:cNvPr id="5" name="Table Placeholder 4">
+            <a:extLst>
+              <a:ext uri="{FF2B5EF4-FFF2-40B4-BE49-F238E27FC236}">
+                <a16:creationId xmlns:a16="http://schemas.microsoft.com/office/drawing/2014/main" id="{A12812F5-E1B2-020D-4915-3CE9B214E6E9}"/>
+              </a:ext>
+            </a:extLst>
+          </p:cNvPr>
+          <p:cNvSpPr>
+            <a:spLocks noGrp="1"/>
+          </p:cNvSpPr>
+          <p:nvPr>
+            <p:ph type="tbl" sz="quarter" idx="21"/>
+          </p:nvPr>
+        </p:nvSpPr>
+        <p:spPr>
+          <a:xfrm>
+            <a:off x="381000" y="1371601"/>
+            <a:ext cx="11430000" cy="4997450"/>
+          </a:xfrm>
+        </p:spPr>
+        <p:txBody>
+          <a:bodyPr/>
+          <a:lstStyle/>
+          <a:p>
+            <a:endParaRPr lang="en-US"/>
+          </a:p>
+        </p:txBody>
+      </p:sp>
+    </p:spTree>
+    <p:extLst>
+      <p:ext uri="{BB962C8B-B14F-4D97-AF65-F5344CB8AC3E}">
+        <p14:creationId xmlns:p14="http://schemas.microsoft.com/office/powerpoint/2010/main" val="1523210904"/>
+      </p:ext>
+    </p:extLst>
+  </p:cSld>
+  <p:clrMapOvr>
+    <a:masterClrMapping/>
+  </p:clrMapOvr>
+  <p:extLst>
+    <p:ext uri="{DCECCB84-F9BA-43D5-87BE-67443E8EF086}">
+      <p15:sldGuideLst xmlns:p15="http://schemas.microsoft.com/office/powerpoint/2012/main">
+        <p15:guide id="1" orient="horz" pos="932">
+          <p15:clr>
+            <a:srgbClr val="547EBF"/>
+          </p15:clr>
+        </p15:guide>
+      </p15:sldGuideLst>
+    </p:ext>
+  </p:extLst>
+</p:sldLayout>
+</file>
+
+<file path=ppt/slideLayouts/slideLayout4.xml><?xml version="1.0" encoding="utf-8"?>
+<p:sldLayout xmlns:a="http://schemas.openxmlformats.org/drawingml/2006/main" xmlns:r="http://schemas.openxmlformats.org/officeDocument/2006/relationships" xmlns:p="http://schemas.openxmlformats.org/presentationml/2006/main" preserve="1" userDrawn="1">
   <p:cSld name="3_Long Headline-subtitle and 2 Columns">
     <p:spTree>
       <p:nvGrpSpPr>
@@ -1954,7 +2361,7 @@
 </p:sldLayout>
 </file>
 
-<file path=ppt/slideLayouts/slideLayout4.xml><?xml version="1.0" encoding="utf-8"?>
+<file path=ppt/slideLayouts/slideLayout5.xml><?xml version="1.0" encoding="utf-8"?>
 <p:sldLayout xmlns:a="http://schemas.openxmlformats.org/drawingml/2006/main" xmlns:r="http://schemas.openxmlformats.org/officeDocument/2006/relationships" xmlns:p="http://schemas.openxmlformats.org/presentationml/2006/main" preserve="1" userDrawn="1">
   <p:cSld name="1_Blank - Light">
     <p:spTree>
@@ -2458,7 +2865,7 @@
             </a:r>
           </a:p>
           <a:p>
-            <a:pPr marL="685800" marR="0" lvl="3" indent="0" algn="l" defTabSz="228600" rtl="0" eaLnBrk="1" fontAlgn="auto" latinLnBrk="0" hangingPunct="1">
+            <a:pPr marL="914400" marR="0" lvl="3" indent="-228600" algn="l" defTabSz="228600" rtl="0" eaLnBrk="1" fontAlgn="auto" latinLnBrk="0" hangingPunct="1">
               <a:lnSpc>
                 <a:spcPct val="100000"/>
               </a:lnSpc>
@@ -2470,8 +2877,6 @@
               </a:spcAft>
               <a:buClrTx/>
               <a:buSzTx/>
-              <a:buFont typeface="Arial" panose="020B0503030202060203" pitchFamily="34" charset="0"/>
-              <a:buNone/>
               <a:tabLst/>
               <a:defRPr/>
             </a:pPr>
@@ -2939,8 +3344,9 @@
   <p:sldLayoutIdLst>
     <p:sldLayoutId id="2147483661" r:id="rId1"/>
     <p:sldLayoutId id="2147483734" r:id="rId2"/>
-    <p:sldLayoutId id="2147483704" r:id="rId3"/>
-    <p:sldLayoutId id="2147483675" r:id="rId4"/>
+    <p:sldLayoutId id="2147483735" r:id="rId3"/>
+    <p:sldLayoutId id="2147483704" r:id="rId4"/>
+    <p:sldLayoutId id="2147483675" r:id="rId5"/>
   </p:sldLayoutIdLst>
   <p:hf hdr="0" dt="0"/>
   <p:txStyles>
@@ -2974,7 +3380,7 @@
         <a:spcAft>
           <a:spcPts val="600"/>
         </a:spcAft>
-        <a:buFont typeface="Graphik" panose="020B0604020202020204" pitchFamily="34" charset="0"/>
+        <a:buFont typeface="Arial" panose="020B0604020202020204" pitchFamily="34" charset="0"/>
         <a:buChar char="•"/>
         <a:defRPr sz="2000" b="0" kern="1200">
           <a:solidFill>
@@ -2985,7 +3391,7 @@
           <a:cs typeface="+mn-cs"/>
         </a:defRPr>
       </a:lvl1pPr>
-      <a:lvl2pPr marL="457200" indent="-228600" algn="l" defTabSz="228600" rtl="0" eaLnBrk="1" latinLnBrk="0" hangingPunct="1">
+      <a:lvl2pPr marL="463550" indent="-285750" algn="l" defTabSz="228600" rtl="0" eaLnBrk="1" latinLnBrk="0" hangingPunct="1">
         <a:lnSpc>
           <a:spcPct val="100000"/>
         </a:lnSpc>
@@ -2996,8 +3402,8 @@
           <a:spcPts val="600"/>
         </a:spcAft>
         <a:buClrTx/>
-        <a:buFont typeface="Graphik" panose="020B0503030202060203" pitchFamily="34" charset="0"/>
-        <a:buChar char="–"/>
+        <a:buFont typeface="Arial" panose="020B0604020202020204" pitchFamily="34" charset="0"/>
+        <a:buChar char="•"/>
         <a:defRPr sz="2000" kern="1200">
           <a:solidFill>
             <a:schemeClr val="tx1"/>
@@ -3007,7 +3413,7 @@
           <a:cs typeface="+mn-cs"/>
         </a:defRPr>
       </a:lvl2pPr>
-      <a:lvl3pPr marL="685800" indent="-228600" algn="l" defTabSz="228600" rtl="0" eaLnBrk="1" latinLnBrk="0" hangingPunct="1">
+      <a:lvl3pPr marL="647700" indent="-285750" algn="l" defTabSz="228600" rtl="0" eaLnBrk="1" latinLnBrk="0" hangingPunct="1">
         <a:lnSpc>
           <a:spcPct val="100000"/>
         </a:lnSpc>
@@ -3017,7 +3423,7 @@
         <a:spcAft>
           <a:spcPts val="600"/>
         </a:spcAft>
-        <a:buFont typeface="Graphik" panose="020B0604020202020204" pitchFamily="34" charset="0"/>
+        <a:buFont typeface="Arial" panose="020B0604020202020204" pitchFamily="34" charset="0"/>
         <a:buChar char="•"/>
         <a:defRPr sz="2000" kern="1200">
           <a:solidFill>
@@ -3038,8 +3444,8 @@
         <a:spcAft>
           <a:spcPts val="600"/>
         </a:spcAft>
-        <a:buFont typeface="Graphik" panose="020B0503030202060203" pitchFamily="34" charset="0"/>
-        <a:buChar char="–"/>
+        <a:buFont typeface="Arial" panose="020B0604020202020204" pitchFamily="34" charset="0"/>
+        <a:buChar char="•"/>
         <a:defRPr sz="1800" kern="1200">
           <a:solidFill>
             <a:schemeClr val="tx1"/>
@@ -3049,7 +3455,7 @@
           <a:cs typeface="+mn-cs"/>
         </a:defRPr>
       </a:lvl4pPr>
-      <a:lvl5pPr marL="914400" indent="0" algn="l" defTabSz="228600" rtl="0" eaLnBrk="1" latinLnBrk="0" hangingPunct="1">
+      <a:lvl5pPr marL="1200150" indent="-285750" algn="l" defTabSz="228600" rtl="0" eaLnBrk="1" latinLnBrk="0" hangingPunct="1">
         <a:lnSpc>
           <a:spcPct val="100000"/>
         </a:lnSpc>
@@ -3059,8 +3465,8 @@
         <a:spcAft>
           <a:spcPts val="600"/>
         </a:spcAft>
-        <a:buFont typeface="Graphik" panose="020B0604020202020204" pitchFamily="34" charset="0"/>
-        <a:buNone/>
+        <a:buFont typeface="Arial" panose="020B0604020202020204" pitchFamily="34" charset="0"/>
+        <a:buChar char="•"/>
         <a:defRPr sz="1800" kern="1200">
           <a:solidFill>
             <a:schemeClr val="tx1"/>
@@ -3134,7 +3540,7 @@
           <a:cs typeface="+mn-cs"/>
         </a:defRPr>
       </a:lvl8pPr>
-      <a:lvl9pPr marL="0" indent="0" algn="l" defTabSz="228600" rtl="0" eaLnBrk="1" latinLnBrk="0" hangingPunct="1">
+      <a:lvl9pPr marL="171450" indent="-171450" algn="l" defTabSz="228600" rtl="0" eaLnBrk="1" latinLnBrk="0" hangingPunct="1">
         <a:lnSpc>
           <a:spcPct val="90000"/>
         </a:lnSpc>
@@ -3144,8 +3550,8 @@
         <a:spcAft>
           <a:spcPts val="600"/>
         </a:spcAft>
-        <a:buFont typeface="Graphik" panose="020B0604020202020204" pitchFamily="34" charset="0"/>
-        <a:buNone/>
+        <a:buFont typeface="Arial" panose="020B0604020202020204" pitchFamily="34" charset="0"/>
+        <a:buChar char="•"/>
         <a:defRPr sz="800" kern="1200">
           <a:solidFill>
             <a:schemeClr val="tx2"/>
